--- a/L4-FE-Feb-27/FE-L4-Feb-27-VC.pptx
+++ b/L4-FE-Feb-27/FE-L4-Feb-27-VC.pptx
@@ -2142,19 +2142,19 @@
           </ac:spMkLst>
         </pc:spChg>
         <pc:picChg chg="add del mod">
-          <ac:chgData name="Никола Алексеев" userId="ba66283bcb01e904" providerId="LiveId" clId="{9FA99FA1-656E-4361-BD8C-5D97150E1C72}" dt="2018-02-26T23:03:48.572" v="18120" actId="1076"/>
+          <ac:chgData name="Никола Алексеев" userId="ba66283bcb01e904" providerId="LiveId" clId="{9FA99FA1-656E-4361-BD8C-5D97150E1C72}" dt="2018-02-25T23:41:05.104" v="9218" actId="478"/>
           <ac:picMkLst>
             <pc:docMk/>
             <pc:sldMk cId="2490399688" sldId="268"/>
-            <ac:picMk id="2" creationId="{FD38FF66-4851-4302-A0CB-D6E6885FD3D9}"/>
+            <ac:picMk id="2" creationId="{4D5E1687-730B-46DA-AF90-254C0B7F9B74}"/>
           </ac:picMkLst>
         </pc:picChg>
         <pc:picChg chg="add del mod">
-          <ac:chgData name="Никола Алексеев" userId="ba66283bcb01e904" providerId="LiveId" clId="{9FA99FA1-656E-4361-BD8C-5D97150E1C72}" dt="2018-02-25T23:41:05.104" v="9218" actId="478"/>
+          <ac:chgData name="Никола Алексеев" userId="ba66283bcb01e904" providerId="LiveId" clId="{9FA99FA1-656E-4361-BD8C-5D97150E1C72}" dt="2018-02-26T23:03:48.572" v="18120" actId="1076"/>
           <ac:picMkLst>
             <pc:docMk/>
             <pc:sldMk cId="2490399688" sldId="268"/>
-            <ac:picMk id="2" creationId="{4D5E1687-730B-46DA-AF90-254C0B7F9B74}"/>
+            <ac:picMk id="2" creationId="{FD38FF66-4851-4302-A0CB-D6E6885FD3D9}"/>
           </ac:picMkLst>
         </pc:picChg>
         <pc:picChg chg="add mod">
@@ -3899,7 +3899,7 @@
           <a:p>
             <a:fld id="{F6D8C1CC-B947-4082-943C-2B15D0562C1D}" type="datetimeFigureOut">
               <a:rPr lang="en-US" smtClean="0"/>
-              <a:t>11/12/2018</a:t>
+              <a:t>2/27/2019</a:t>
             </a:fld>
             <a:endParaRPr lang="en-US"/>
           </a:p>
@@ -4618,138 +4618,6 @@
           <a:bodyPr/>
           <a:lstStyle/>
           <a:p>
-            <a:r>
-              <a:rPr lang="en-US" sz="1200" b="0" i="0" kern="1200" dirty="0">
-                <a:solidFill>
-                  <a:schemeClr val="tx1"/>
-                </a:solidFill>
-                <a:effectLst/>
-                <a:latin typeface="+mn-lt"/>
-                <a:ea typeface="+mn-ea"/>
-                <a:cs typeface="+mn-cs"/>
-              </a:rPr>
-              <a:t>The repository in the above diagram indicates a central server that could be local or remote which is directly connected to each of the programmer’s workstation.</a:t>
-            </a:r>
-          </a:p>
-          <a:p>
-            <a:r>
-              <a:rPr lang="en-US" sz="1200" b="0" i="0" kern="1200" dirty="0">
-                <a:solidFill>
-                  <a:schemeClr val="tx1"/>
-                </a:solidFill>
-                <a:effectLst/>
-                <a:latin typeface="+mn-lt"/>
-                <a:ea typeface="+mn-ea"/>
-                <a:cs typeface="+mn-cs"/>
-              </a:rPr>
-              <a:t>Every programmer can extract or </a:t>
-            </a:r>
-            <a:r>
-              <a:rPr lang="en-US" sz="1200" b="1" i="0" kern="1200" dirty="0">
-                <a:solidFill>
-                  <a:schemeClr val="tx1"/>
-                </a:solidFill>
-                <a:effectLst/>
-                <a:latin typeface="+mn-lt"/>
-                <a:ea typeface="+mn-ea"/>
-                <a:cs typeface="+mn-cs"/>
-              </a:rPr>
-              <a:t>update</a:t>
-            </a:r>
-            <a:r>
-              <a:rPr lang="en-US" sz="1200" b="0" i="0" kern="1200" dirty="0">
-                <a:solidFill>
-                  <a:schemeClr val="tx1"/>
-                </a:solidFill>
-                <a:effectLst/>
-                <a:latin typeface="+mn-lt"/>
-                <a:ea typeface="+mn-ea"/>
-                <a:cs typeface="+mn-cs"/>
-              </a:rPr>
-              <a:t> their workstations with the data present in the repository or can make changes to the data or </a:t>
-            </a:r>
-            <a:r>
-              <a:rPr lang="en-US" sz="1200" b="1" i="0" kern="1200" dirty="0">
-                <a:solidFill>
-                  <a:schemeClr val="tx1"/>
-                </a:solidFill>
-                <a:effectLst/>
-                <a:latin typeface="+mn-lt"/>
-                <a:ea typeface="+mn-ea"/>
-                <a:cs typeface="+mn-cs"/>
-              </a:rPr>
-              <a:t>commit</a:t>
-            </a:r>
-            <a:r>
-              <a:rPr lang="en-US" sz="1200" b="0" i="0" kern="1200" dirty="0">
-                <a:solidFill>
-                  <a:schemeClr val="tx1"/>
-                </a:solidFill>
-                <a:effectLst/>
-                <a:latin typeface="+mn-lt"/>
-                <a:ea typeface="+mn-ea"/>
-                <a:cs typeface="+mn-cs"/>
-              </a:rPr>
-              <a:t> in the repository. Every operation is performed directly on the repository.</a:t>
-            </a:r>
-          </a:p>
-          <a:p>
-            <a:r>
-              <a:rPr lang="en-US" sz="1200" b="0" i="0" kern="1200" dirty="0">
-                <a:solidFill>
-                  <a:schemeClr val="tx1"/>
-                </a:solidFill>
-                <a:effectLst/>
-                <a:latin typeface="+mn-lt"/>
-                <a:ea typeface="+mn-ea"/>
-                <a:cs typeface="+mn-cs"/>
-              </a:rPr>
-              <a:t>Even though it seems pretty convenient to maintain a single repository, it has some major drawbacks. Some of them are:</a:t>
-            </a:r>
-          </a:p>
-          <a:p>
-            <a:r>
-              <a:rPr lang="en-US" sz="1200" b="0" i="0" kern="1200" dirty="0">
-                <a:solidFill>
-                  <a:schemeClr val="tx1"/>
-                </a:solidFill>
-                <a:effectLst/>
-                <a:latin typeface="+mn-lt"/>
-                <a:ea typeface="+mn-ea"/>
-                <a:cs typeface="+mn-cs"/>
-              </a:rPr>
-              <a:t>It is not locally available; meaning you always need to be connected to a network to perform any action.</a:t>
-            </a:r>
-          </a:p>
-          <a:p>
-            <a:r>
-              <a:rPr lang="en-US" sz="1200" b="0" i="0" kern="1200" dirty="0">
-                <a:solidFill>
-                  <a:schemeClr val="tx1"/>
-                </a:solidFill>
-                <a:effectLst/>
-                <a:latin typeface="+mn-lt"/>
-                <a:ea typeface="+mn-ea"/>
-                <a:cs typeface="+mn-cs"/>
-              </a:rPr>
-              <a:t>Since everything is centralized, in any case of the central server getting crashed or corrupted will result in losing the entire data of the project.</a:t>
-            </a:r>
-          </a:p>
-          <a:p>
-            <a:r>
-              <a:rPr lang="en-US" sz="1200" b="0" i="0" kern="1200" dirty="0">
-                <a:solidFill>
-                  <a:schemeClr val="tx1"/>
-                </a:solidFill>
-                <a:effectLst/>
-                <a:latin typeface="+mn-lt"/>
-                <a:ea typeface="+mn-ea"/>
-                <a:cs typeface="+mn-cs"/>
-              </a:rPr>
-              <a:t>This is when Distributed VCS comes to the rescue.</a:t>
-            </a:r>
-          </a:p>
-          <a:p>
             <a:pPr marL="0" marR="0" indent="0" algn="l" defTabSz="914400" rtl="0" eaLnBrk="1" fontAlgn="auto" latinLnBrk="0" hangingPunct="1">
               <a:lnSpc>
                 <a:spcPct val="100000"/>
@@ -4850,6 +4718,158 @@
         <p:txBody>
           <a:bodyPr/>
           <a:lstStyle/>
+          <a:p>
+            <a:r>
+              <a:rPr lang="en-US" sz="1200" b="0" i="0" kern="1200" dirty="0">
+                <a:solidFill>
+                  <a:schemeClr val="tx1"/>
+                </a:solidFill>
+                <a:effectLst/>
+                <a:latin typeface="+mn-lt"/>
+                <a:ea typeface="+mn-ea"/>
+                <a:cs typeface="+mn-cs"/>
+              </a:rPr>
+              <a:t>The repository in the above diagram indicates a central server that could be local or remote which is directly connected to each of the programmer’s workstation.</a:t>
+            </a:r>
+          </a:p>
+          <a:p>
+            <a:r>
+              <a:rPr lang="en-US" sz="1200" b="0" i="0" kern="1200" dirty="0">
+                <a:solidFill>
+                  <a:schemeClr val="tx1"/>
+                </a:solidFill>
+                <a:effectLst/>
+                <a:latin typeface="+mn-lt"/>
+                <a:ea typeface="+mn-ea"/>
+                <a:cs typeface="+mn-cs"/>
+              </a:rPr>
+              <a:t>Every programmer can extract or </a:t>
+            </a:r>
+            <a:r>
+              <a:rPr lang="en-US" sz="1200" b="1" i="0" kern="1200" dirty="0">
+                <a:solidFill>
+                  <a:schemeClr val="tx1"/>
+                </a:solidFill>
+                <a:effectLst/>
+                <a:latin typeface="+mn-lt"/>
+                <a:ea typeface="+mn-ea"/>
+                <a:cs typeface="+mn-cs"/>
+              </a:rPr>
+              <a:t>update</a:t>
+            </a:r>
+            <a:r>
+              <a:rPr lang="en-US" sz="1200" b="0" i="0" kern="1200" dirty="0">
+                <a:solidFill>
+                  <a:schemeClr val="tx1"/>
+                </a:solidFill>
+                <a:effectLst/>
+                <a:latin typeface="+mn-lt"/>
+                <a:ea typeface="+mn-ea"/>
+                <a:cs typeface="+mn-cs"/>
+              </a:rPr>
+              <a:t> their workstations with the data present in the repository or can make changes to the data or </a:t>
+            </a:r>
+            <a:r>
+              <a:rPr lang="en-US" sz="1200" b="1" i="0" kern="1200" dirty="0">
+                <a:solidFill>
+                  <a:schemeClr val="tx1"/>
+                </a:solidFill>
+                <a:effectLst/>
+                <a:latin typeface="+mn-lt"/>
+                <a:ea typeface="+mn-ea"/>
+                <a:cs typeface="+mn-cs"/>
+              </a:rPr>
+              <a:t>commit</a:t>
+            </a:r>
+            <a:r>
+              <a:rPr lang="en-US" sz="1200" b="0" i="0" kern="1200" dirty="0">
+                <a:solidFill>
+                  <a:schemeClr val="tx1"/>
+                </a:solidFill>
+                <a:effectLst/>
+                <a:latin typeface="+mn-lt"/>
+                <a:ea typeface="+mn-ea"/>
+                <a:cs typeface="+mn-cs"/>
+              </a:rPr>
+              <a:t> in the repository. Every operation is performed directly on the repository.</a:t>
+            </a:r>
+          </a:p>
+          <a:p>
+            <a:r>
+              <a:rPr lang="en-US" sz="1200" b="0" i="0" kern="1200" dirty="0">
+                <a:solidFill>
+                  <a:schemeClr val="tx1"/>
+                </a:solidFill>
+                <a:effectLst/>
+                <a:latin typeface="+mn-lt"/>
+                <a:ea typeface="+mn-ea"/>
+                <a:cs typeface="+mn-cs"/>
+              </a:rPr>
+              <a:t>Even though it seems pretty convenient to maintain a single repository, it has some major drawbacks. Some of them are:</a:t>
+            </a:r>
+          </a:p>
+          <a:p>
+            <a:r>
+              <a:rPr lang="en-US" sz="1200" b="0" i="0" kern="1200" dirty="0">
+                <a:solidFill>
+                  <a:schemeClr val="tx1"/>
+                </a:solidFill>
+                <a:effectLst/>
+                <a:latin typeface="+mn-lt"/>
+                <a:ea typeface="+mn-ea"/>
+                <a:cs typeface="+mn-cs"/>
+              </a:rPr>
+              <a:t>It is not locally available; meaning you always need to be connected to a network to perform any action.</a:t>
+            </a:r>
+          </a:p>
+          <a:p>
+            <a:r>
+              <a:rPr lang="en-US" sz="1200" b="0" i="0" kern="1200" dirty="0">
+                <a:solidFill>
+                  <a:schemeClr val="tx1"/>
+                </a:solidFill>
+                <a:effectLst/>
+                <a:latin typeface="+mn-lt"/>
+                <a:ea typeface="+mn-ea"/>
+                <a:cs typeface="+mn-cs"/>
+              </a:rPr>
+              <a:t>Since everything is centralized, in any case of the central server getting crashed or corrupted will result in losing the entire data of the project.</a:t>
+            </a:r>
+          </a:p>
+          <a:p>
+            <a:r>
+              <a:rPr lang="en-US" sz="1200" b="0" i="0" kern="1200" dirty="0">
+                <a:solidFill>
+                  <a:schemeClr val="tx1"/>
+                </a:solidFill>
+                <a:effectLst/>
+                <a:latin typeface="+mn-lt"/>
+                <a:ea typeface="+mn-ea"/>
+                <a:cs typeface="+mn-cs"/>
+              </a:rPr>
+              <a:t>This is when Distributed VCS comes to the rescue.</a:t>
+            </a:r>
+          </a:p>
+          <a:p>
+            <a:pPr marL="0" marR="0" indent="0" algn="l" defTabSz="914400" rtl="0" eaLnBrk="1" fontAlgn="auto" latinLnBrk="0" hangingPunct="1">
+              <a:lnSpc>
+                <a:spcPct val="100000"/>
+              </a:lnSpc>
+              <a:spcBef>
+                <a:spcPts val="0"/>
+              </a:spcBef>
+              <a:spcAft>
+                <a:spcPts val="0"/>
+              </a:spcAft>
+              <a:buClrTx/>
+              <a:buSzTx/>
+              <a:buFontTx/>
+              <a:buNone/>
+              <a:tabLst/>
+              <a:defRPr/>
+            </a:pPr>
+            <a:endParaRPr lang="en-US" b="0" baseline="0" dirty="0"/>
+          </a:p>
           <a:p>
             <a:pPr marL="0" marR="0" indent="0" algn="l" defTabSz="914400" rtl="0" eaLnBrk="1" fontAlgn="auto" latinLnBrk="0" hangingPunct="1">
               <a:lnSpc>
@@ -5930,7 +5950,7 @@
           <a:p>
             <a:fld id="{C3092D70-B9B3-42E8-972A-1A494C668E52}" type="datetimeFigureOut">
               <a:rPr lang="bg-BG" smtClean="0"/>
-              <a:t>12.11.2018 г.</a:t>
+              <a:t>27.2.2019 г.</a:t>
             </a:fld>
             <a:endParaRPr lang="bg-BG"/>
           </a:p>
@@ -6128,7 +6148,7 @@
           <a:p>
             <a:fld id="{C3092D70-B9B3-42E8-972A-1A494C668E52}" type="datetimeFigureOut">
               <a:rPr lang="bg-BG" smtClean="0"/>
-              <a:t>12.11.2018 г.</a:t>
+              <a:t>27.2.2019 г.</a:t>
             </a:fld>
             <a:endParaRPr lang="bg-BG"/>
           </a:p>
@@ -6336,7 +6356,7 @@
           <a:p>
             <a:fld id="{C3092D70-B9B3-42E8-972A-1A494C668E52}" type="datetimeFigureOut">
               <a:rPr lang="bg-BG" smtClean="0"/>
-              <a:t>12.11.2018 г.</a:t>
+              <a:t>27.2.2019 г.</a:t>
             </a:fld>
             <a:endParaRPr lang="bg-BG"/>
           </a:p>
@@ -6534,7 +6554,7 @@
           <a:p>
             <a:fld id="{C3092D70-B9B3-42E8-972A-1A494C668E52}" type="datetimeFigureOut">
               <a:rPr lang="bg-BG" smtClean="0"/>
-              <a:t>12.11.2018 г.</a:t>
+              <a:t>27.2.2019 г.</a:t>
             </a:fld>
             <a:endParaRPr lang="bg-BG"/>
           </a:p>
@@ -6809,7 +6829,7 @@
           <a:p>
             <a:fld id="{C3092D70-B9B3-42E8-972A-1A494C668E52}" type="datetimeFigureOut">
               <a:rPr lang="bg-BG" smtClean="0"/>
-              <a:t>12.11.2018 г.</a:t>
+              <a:t>27.2.2019 г.</a:t>
             </a:fld>
             <a:endParaRPr lang="bg-BG"/>
           </a:p>
@@ -7074,7 +7094,7 @@
           <a:p>
             <a:fld id="{C3092D70-B9B3-42E8-972A-1A494C668E52}" type="datetimeFigureOut">
               <a:rPr lang="bg-BG" smtClean="0"/>
-              <a:t>12.11.2018 г.</a:t>
+              <a:t>27.2.2019 г.</a:t>
             </a:fld>
             <a:endParaRPr lang="bg-BG"/>
           </a:p>
@@ -7486,7 +7506,7 @@
           <a:p>
             <a:fld id="{C3092D70-B9B3-42E8-972A-1A494C668E52}" type="datetimeFigureOut">
               <a:rPr lang="bg-BG" smtClean="0"/>
-              <a:t>12.11.2018 г.</a:t>
+              <a:t>27.2.2019 г.</a:t>
             </a:fld>
             <a:endParaRPr lang="bg-BG"/>
           </a:p>
@@ -7627,7 +7647,7 @@
           <a:p>
             <a:fld id="{C3092D70-B9B3-42E8-972A-1A494C668E52}" type="datetimeFigureOut">
               <a:rPr lang="bg-BG" smtClean="0"/>
-              <a:t>12.11.2018 г.</a:t>
+              <a:t>27.2.2019 г.</a:t>
             </a:fld>
             <a:endParaRPr lang="bg-BG"/>
           </a:p>
@@ -7740,7 +7760,7 @@
           <a:p>
             <a:fld id="{C3092D70-B9B3-42E8-972A-1A494C668E52}" type="datetimeFigureOut">
               <a:rPr lang="bg-BG" smtClean="0"/>
-              <a:t>12.11.2018 г.</a:t>
+              <a:t>27.2.2019 г.</a:t>
             </a:fld>
             <a:endParaRPr lang="bg-BG"/>
           </a:p>
@@ -8051,7 +8071,7 @@
           <a:p>
             <a:fld id="{C3092D70-B9B3-42E8-972A-1A494C668E52}" type="datetimeFigureOut">
               <a:rPr lang="bg-BG" smtClean="0"/>
-              <a:t>12.11.2018 г.</a:t>
+              <a:t>27.2.2019 г.</a:t>
             </a:fld>
             <a:endParaRPr lang="bg-BG"/>
           </a:p>
@@ -8339,7 +8359,7 @@
           <a:p>
             <a:fld id="{C3092D70-B9B3-42E8-972A-1A494C668E52}" type="datetimeFigureOut">
               <a:rPr lang="bg-BG" smtClean="0"/>
-              <a:t>12.11.2018 г.</a:t>
+              <a:t>27.2.2019 г.</a:t>
             </a:fld>
             <a:endParaRPr lang="bg-BG"/>
           </a:p>
@@ -8580,7 +8600,7 @@
           <a:p>
             <a:fld id="{C3092D70-B9B3-42E8-972A-1A494C668E52}" type="datetimeFigureOut">
               <a:rPr lang="bg-BG" smtClean="0"/>
-              <a:t>12.11.2018 г.</a:t>
+              <a:t>27.2.2019 г.</a:t>
             </a:fld>
             <a:endParaRPr lang="bg-BG"/>
           </a:p>
@@ -13829,11 +13849,7 @@
               <a:buChar char="•"/>
             </a:pPr>
             <a:r>
-              <a:rPr lang="en-US" sz="1400" dirty="0"/>
-              <a:t> </a:t>
-            </a:r>
-            <a:r>
-              <a:rPr lang="bg-BG" sz="1400" dirty="0"/>
+              <a:rPr lang="bg-BG" sz="1400"/>
               <a:t>О</a:t>
             </a:r>
             <a:r>
